--- a/03-DevOps/DevOps.pptx
+++ b/03-DevOps/DevOps.pptx
@@ -5,7 +5,7 @@
     <p:sldMasterId id="2147483672" r:id="rId1"/>
   </p:sldMasterIdLst>
   <p:notesMasterIdLst>
-    <p:notesMasterId r:id="rId16"/>
+    <p:notesMasterId r:id="rId17"/>
   </p:notesMasterIdLst>
   <p:sldIdLst>
     <p:sldId id="256" r:id="rId2"/>
@@ -22,6 +22,7 @@
     <p:sldId id="269" r:id="rId13"/>
     <p:sldId id="261" r:id="rId14"/>
     <p:sldId id="271" r:id="rId15"/>
+    <p:sldId id="272" r:id="rId16"/>
   </p:sldIdLst>
   <p:sldSz cx="9144000" cy="6858000" type="screen4x3"/>
   <p:notesSz cx="6858000" cy="9144000"/>
@@ -139,6 +140,7 @@
             <p14:sldId id="269"/>
             <p14:sldId id="261"/>
             <p14:sldId id="271"/>
+            <p14:sldId id="272"/>
           </p14:sldIdLst>
         </p14:section>
       </p14:sectionLst>
@@ -28175,10 +28177,10 @@
               </a:spcBef>
             </a:pPr>
             <a:r>
-              <a:rPr lang="en-US" sz="1800"/>
+              <a:rPr lang="en-US" sz="1800" dirty="0"/>
               <a:t>logging</a:t>
             </a:r>
-            <a:endParaRPr lang="de-DE"/>
+            <a:endParaRPr lang="de-DE" dirty="0"/>
           </a:p>
           <a:p>
             <a:pPr marL="263525" indent="-263525">
@@ -28187,7 +28189,7 @@
               </a:spcBef>
             </a:pPr>
             <a:r>
-              <a:rPr lang="en-US" sz="1800"/>
+              <a:rPr lang="en-US" sz="1800" dirty="0"/>
               <a:t>exception handling</a:t>
             </a:r>
           </a:p>
@@ -28198,7 +28200,7 @@
               </a:spcBef>
             </a:pPr>
             <a:r>
-              <a:rPr lang="en-US" sz="1800"/>
+              <a:rPr lang="en-US" sz="1800" dirty="0"/>
               <a:t>performance monitoring</a:t>
             </a:r>
           </a:p>
@@ -28209,8 +28211,99 @@
               </a:spcBef>
             </a:pPr>
             <a:r>
-              <a:rPr lang="en-US" sz="1800"/>
-              <a:t>support / service desk</a:t>
+              <a:rPr lang="en-US" sz="1800" dirty="0"/>
+              <a:t>support / service </a:t>
+            </a:r>
+            <a:r>
+              <a:rPr lang="en-US" sz="1800" dirty="0" smtClean="0"/>
+              <a:t>desk</a:t>
+            </a:r>
+          </a:p>
+          <a:p>
+            <a:pPr marL="263525" indent="-263525">
+              <a:spcBef>
+                <a:spcPts val="500"/>
+              </a:spcBef>
+            </a:pPr>
+            <a:r>
+              <a:rPr lang="en-US" sz="1800" dirty="0" smtClean="0"/>
+              <a:t>feature toggles</a:t>
+            </a:r>
+          </a:p>
+          <a:p>
+            <a:pPr marL="263525" indent="-263525">
+              <a:spcBef>
+                <a:spcPts val="500"/>
+              </a:spcBef>
+            </a:pPr>
+            <a:r>
+              <a:rPr lang="en-US" sz="1800" dirty="0" smtClean="0"/>
+              <a:t>Metrics </a:t>
+            </a:r>
+            <a:r>
+              <a:rPr lang="en-US" sz="1800" dirty="0"/>
+              <a:t>/ measure </a:t>
+            </a:r>
+            <a:r>
+              <a:rPr lang="en-US" sz="1800" dirty="0" smtClean="0"/>
+              <a:t>success / </a:t>
+            </a:r>
+            <a:r>
+              <a:rPr lang="mr-IN" sz="1800" dirty="0" smtClean="0"/>
+              <a:t>…</a:t>
+            </a:r>
+            <a:r>
+              <a:rPr lang="de-DE" sz="1800" dirty="0" smtClean="0"/>
+              <a:t> </a:t>
+            </a:r>
+            <a:r>
+              <a:rPr lang="en-US" sz="1800" dirty="0" smtClean="0"/>
+              <a:t> </a:t>
+            </a:r>
+            <a:endParaRPr lang="en-US" sz="1800" dirty="0"/>
+          </a:p>
+          <a:p>
+            <a:pPr marL="263525" indent="-263525">
+              <a:spcBef>
+                <a:spcPts val="500"/>
+              </a:spcBef>
+            </a:pPr>
+            <a:endParaRPr lang="en-US" sz="1800" dirty="0"/>
+          </a:p>
+          <a:p>
+            <a:pPr marL="263525" indent="-263525">
+              <a:spcBef>
+                <a:spcPts val="500"/>
+              </a:spcBef>
+            </a:pPr>
+            <a:endParaRPr lang="en-US" sz="1800" dirty="0"/>
+          </a:p>
+          <a:p>
+            <a:pPr marL="263525" indent="-263525">
+              <a:spcBef>
+                <a:spcPts val="500"/>
+              </a:spcBef>
+            </a:pPr>
+            <a:endParaRPr lang="en-US" sz="1800" dirty="0"/>
+          </a:p>
+          <a:p>
+            <a:pPr marL="0" indent="0">
+              <a:spcBef>
+                <a:spcPts val="500"/>
+              </a:spcBef>
+              <a:buNone/>
+            </a:pPr>
+            <a:r>
+              <a:rPr lang="en-US" sz="1800" dirty="0"/>
+              <a:t>Tools: Jira Service Desk, </a:t>
+            </a:r>
+            <a:r>
+              <a:rPr lang="en-US" sz="1800" dirty="0" err="1"/>
+              <a:t>CloudWatch</a:t>
+            </a:r>
+            <a:r>
+              <a:rPr lang="en-US" sz="1800" dirty="0"/>
+              <a:t>, ELK Stack, Reactive Platform, ECS, EC2, Kubernetes, … </a:t>
             </a:r>
           </a:p>
           <a:p>
@@ -28221,69 +28314,7 @@
               <a:buFont typeface="Wingdings" charset="2"/>
               <a:buChar char="§"/>
             </a:pPr>
-            <a:endParaRPr lang="en-US" sz="1800"/>
-          </a:p>
-          <a:p>
-            <a:pPr marL="263525" indent="-263525">
-              <a:spcBef>
-                <a:spcPts val="500"/>
-              </a:spcBef>
-            </a:pPr>
-            <a:endParaRPr lang="en-US" sz="1800"/>
-          </a:p>
-          <a:p>
-            <a:pPr marL="263525" indent="-263525">
-              <a:spcBef>
-                <a:spcPts val="500"/>
-              </a:spcBef>
-            </a:pPr>
-            <a:endParaRPr lang="en-US" sz="1800"/>
-          </a:p>
-          <a:p>
-            <a:pPr marL="263525" indent="-263525">
-              <a:spcBef>
-                <a:spcPts val="500"/>
-              </a:spcBef>
-            </a:pPr>
-            <a:endParaRPr lang="en-US" sz="1800"/>
-          </a:p>
-          <a:p>
-            <a:pPr marL="263525" indent="-263525">
-              <a:spcBef>
-                <a:spcPts val="500"/>
-              </a:spcBef>
-            </a:pPr>
-            <a:endParaRPr lang="en-US" sz="1800"/>
-          </a:p>
-          <a:p>
-            <a:pPr marL="0" indent="0">
-              <a:spcBef>
-                <a:spcPts val="500"/>
-              </a:spcBef>
-              <a:buNone/>
-            </a:pPr>
-            <a:r>
-              <a:rPr lang="en-US" sz="1800"/>
-              <a:t>Tools: Jira Service Desk, </a:t>
-            </a:r>
-            <a:r>
-              <a:rPr lang="en-US" sz="1800" err="1"/>
-              <a:t>CloudWatch</a:t>
-            </a:r>
-            <a:r>
-              <a:rPr lang="en-US" sz="1800"/>
-              <a:t>, ELK Stack, Reactive Platform, ECS, EC2, Kubernetes, … </a:t>
-            </a:r>
-          </a:p>
-          <a:p>
-            <a:pPr marL="263525" indent="-263525">
-              <a:spcBef>
-                <a:spcPts val="500"/>
-              </a:spcBef>
-              <a:buFont typeface="Wingdings" charset="2"/>
-              <a:buChar char="§"/>
-            </a:pPr>
-            <a:endParaRPr lang="en-US" sz="1800"/>
+            <a:endParaRPr lang="en-US" sz="1800" dirty="0"/>
           </a:p>
         </p:txBody>
       </p:sp>
@@ -28754,22 +28785,22 @@
           <a:lstStyle/>
           <a:p>
             <a:r>
-              <a:rPr lang="de-DE" err="1"/>
+              <a:rPr lang="de-DE" dirty="0" err="1"/>
               <a:t>Continuous</a:t>
             </a:r>
             <a:r>
-              <a:rPr lang="de-DE">
+              <a:rPr lang="de-DE" dirty="0">
                 <a:cs typeface="Arial"/>
               </a:rPr>
               <a:t> </a:t>
             </a:r>
             <a:r>
-              <a:rPr lang="de-DE" err="1">
+              <a:rPr lang="de-DE" dirty="0" err="1">
                 <a:cs typeface="Arial"/>
               </a:rPr>
               <a:t>Deployment</a:t>
             </a:r>
-            <a:endParaRPr lang="de-DE" err="1"/>
+            <a:endParaRPr lang="de-DE" dirty="0"/>
           </a:p>
         </p:txBody>
       </p:sp>
@@ -28910,30 +28941,42 @@
             <p:ph type="title"/>
           </p:nvPr>
         </p:nvSpPr>
-        <p:spPr/>
+        <p:spPr>
+          <a:xfrm>
+            <a:off x="259374" y="250522"/>
+            <a:ext cx="6357326" cy="771055"/>
+          </a:xfrm>
+        </p:spPr>
         <p:txBody>
           <a:bodyPr/>
           <a:lstStyle/>
           <a:p>
-            <a:pPr marL="263525" indent="-263525">
+            <a:pPr marL="263525" marR="0" lvl="0" indent="-263525" defTabSz="914400" eaLnBrk="1" fontAlgn="auto" latinLnBrk="0" hangingPunct="1">
+              <a:lnSpc>
+                <a:spcPct val="100000"/>
+              </a:lnSpc>
               <a:spcBef>
                 <a:spcPts val="500"/>
               </a:spcBef>
-              <a:buChar char="•"/>
+              <a:spcAft>
+                <a:spcPts val="0"/>
+              </a:spcAft>
+              <a:buClrTx/>
+              <a:buSzTx/>
+              <a:buFontTx/>
+              <a:buNone/>
+              <a:tabLst/>
+              <a:defRPr/>
             </a:pPr>
-            <a:endParaRPr lang="en-US" sz="2000"/>
-          </a:p>
-          <a:p>
-            <a:pPr>
-              <a:spcBef>
-                <a:spcPts val="500"/>
-              </a:spcBef>
-            </a:pPr>
-            <a:r>
-              <a:rPr lang="en-US" sz="2000"/>
-              <a:t>continuous deployment</a:t>
-            </a:r>
-            <a:endParaRPr lang="de-DE"/>
+            <a:r>
+              <a:rPr lang="en-US" sz="2000" dirty="0" smtClean="0"/>
+              <a:t>DevOps: Automate Almost Everything for </a:t>
+            </a:r>
+            <a:r>
+              <a:rPr lang="en-US" sz="2000" dirty="0" err="1" smtClean="0"/>
+              <a:t>Microservice</a:t>
+            </a:r>
+            <a:endParaRPr lang="de-DE" dirty="0"/>
           </a:p>
         </p:txBody>
       </p:sp>
@@ -28958,7 +29001,112 @@
           <a:bodyPr/>
           <a:lstStyle/>
           <a:p>
-            <a:endParaRPr lang="de-DE"/>
+            <a:r>
+              <a:rPr lang="en-US" dirty="0" smtClean="0"/>
+              <a:t>The build</a:t>
+            </a:r>
+          </a:p>
+          <a:p>
+            <a:r>
+              <a:rPr lang="en-US" dirty="0" smtClean="0"/>
+              <a:t>database change (flyway)</a:t>
+            </a:r>
+          </a:p>
+          <a:p>
+            <a:r>
+              <a:rPr lang="en-US" dirty="0" smtClean="0"/>
+              <a:t>Deployment to test/staging/production environments</a:t>
+            </a:r>
+          </a:p>
+          <a:p>
+            <a:r>
+              <a:rPr lang="en-US" dirty="0" smtClean="0"/>
+              <a:t>Tests</a:t>
+            </a:r>
+          </a:p>
+          <a:p>
+            <a:r>
+              <a:rPr lang="en-US" dirty="0" smtClean="0"/>
+              <a:t>Remediation plans</a:t>
+            </a:r>
+          </a:p>
+          <a:p>
+            <a:r>
+              <a:rPr lang="en-US" dirty="0" smtClean="0"/>
+              <a:t>Monitoring</a:t>
+            </a:r>
+          </a:p>
+          <a:p>
+            <a:r>
+              <a:rPr lang="en-US" dirty="0" smtClean="0"/>
+              <a:t>Infrastructure as code</a:t>
+            </a:r>
+          </a:p>
+          <a:p>
+            <a:r>
+              <a:rPr lang="en-US" dirty="0" smtClean="0"/>
+              <a:t>Service discovery, DNS, Load Balancing, Auto Scaling, </a:t>
+            </a:r>
+            <a:r>
+              <a:rPr lang="mr-IN" dirty="0" smtClean="0"/>
+              <a:t>…</a:t>
+            </a:r>
+            <a:endParaRPr lang="en-US" dirty="0" smtClean="0"/>
+          </a:p>
+          <a:p>
+            <a:pPr>
+              <a:buFont typeface="Wingdings" charset="2"/>
+              <a:buChar char="è"/>
+            </a:pPr>
+            <a:r>
+              <a:rPr lang="en-US" dirty="0" smtClean="0"/>
+              <a:t>Your continuous deployment pipeline should be a model of your process for getting software from version control into the hands of your users.</a:t>
+            </a:r>
+          </a:p>
+          <a:p>
+            <a:pPr>
+              <a:buFont typeface="Wingdings" charset="2"/>
+              <a:buChar char="è"/>
+            </a:pPr>
+            <a:endParaRPr lang="en-US" dirty="0" smtClean="0"/>
+          </a:p>
+          <a:p>
+            <a:pPr>
+              <a:buFont typeface="Wingdings" charset="2"/>
+              <a:buChar char="è"/>
+            </a:pPr>
+            <a:r>
+              <a:rPr lang="en-US" dirty="0" smtClean="0"/>
+              <a:t>A visualization (in real-time) of the status of software codebase after every change, for all stages from </a:t>
+            </a:r>
+            <a:r>
+              <a:rPr lang="en-US" dirty="0" err="1" smtClean="0"/>
+              <a:t>chek</a:t>
+            </a:r>
+            <a:r>
+              <a:rPr lang="en-US" dirty="0" smtClean="0"/>
+              <a:t>-in to release</a:t>
+            </a:r>
+          </a:p>
+          <a:p>
+            <a:pPr marL="0" indent="0">
+              <a:buNone/>
+            </a:pPr>
+            <a:r>
+              <a:rPr lang="en-US" sz="1400" dirty="0" smtClean="0"/>
+              <a:t>@SPOTIFY: </a:t>
+            </a:r>
+            <a:r>
+              <a:rPr lang="en-US" sz="1400" dirty="0" smtClean="0">
+                <a:hlinkClick r:id="rId2"/>
+              </a:rPr>
+              <a:t>https://labs.spotify.com/2014/03/27/spotify-engineering-culture-part-1/</a:t>
+            </a:r>
+            <a:r>
+              <a:rPr lang="en-US" sz="1400" dirty="0" smtClean="0"/>
+              <a:t> !!!</a:t>
+            </a:r>
+            <a:endParaRPr lang="en-US" sz="1400" dirty="0"/>
           </a:p>
         </p:txBody>
       </p:sp>
@@ -28966,6 +29114,250 @@
     <p:extLst>
       <p:ext uri="{BB962C8B-B14F-4D97-AF65-F5344CB8AC3E}">
         <p14:creationId xmlns:p14="http://schemas.microsoft.com/office/powerpoint/2010/main" val="830019926"/>
+      </p:ext>
+    </p:extLst>
+  </p:cSld>
+  <p:clrMapOvr>
+    <a:masterClrMapping/>
+  </p:clrMapOvr>
+</p:sld>
+</file>
+
+<file path=ppt/slides/slide15.xml><?xml version="1.0" encoding="utf-8"?>
+<p:sld xmlns:a="http://schemas.openxmlformats.org/drawingml/2006/main" xmlns:r="http://schemas.openxmlformats.org/officeDocument/2006/relationships" xmlns:p="http://schemas.openxmlformats.org/presentationml/2006/main">
+  <p:cSld>
+    <p:spTree>
+      <p:nvGrpSpPr>
+        <p:cNvPr id="1" name=""/>
+        <p:cNvGrpSpPr/>
+        <p:nvPr/>
+      </p:nvGrpSpPr>
+      <p:grpSpPr>
+        <a:xfrm>
+          <a:off x="0" y="0"/>
+          <a:ext cx="0" cy="0"/>
+          <a:chOff x="0" y="0"/>
+          <a:chExt cx="0" cy="0"/>
+        </a:xfrm>
+      </p:grpSpPr>
+      <p:sp>
+        <p:nvSpPr>
+          <p:cNvPr id="2" name="Titel 1"/>
+          <p:cNvSpPr>
+            <a:spLocks noGrp="1"/>
+          </p:cNvSpPr>
+          <p:nvPr>
+            <p:ph type="title"/>
+          </p:nvPr>
+        </p:nvSpPr>
+        <p:spPr/>
+        <p:txBody>
+          <a:bodyPr/>
+          <a:lstStyle/>
+          <a:p>
+            <a:r>
+              <a:rPr lang="de-DE" dirty="0" smtClean="0"/>
+              <a:t>Travis CI Sample</a:t>
+            </a:r>
+            <a:endParaRPr lang="de-DE" dirty="0"/>
+          </a:p>
+        </p:txBody>
+      </p:sp>
+      <p:pic>
+        <p:nvPicPr>
+          <p:cNvPr id="5" name="Inhaltsplatzhalter 4"/>
+          <p:cNvPicPr>
+            <a:picLocks noGrp="1" noChangeAspect="1"/>
+          </p:cNvPicPr>
+          <p:nvPr>
+            <p:ph idx="1"/>
+          </p:nvPr>
+        </p:nvPicPr>
+        <p:blipFill>
+          <a:blip r:embed="rId2">
+            <a:extLst>
+              <a:ext uri="{28A0092B-C50C-407E-A947-70E740481C1C}">
+                <a14:useLocalDpi xmlns:a14="http://schemas.microsoft.com/office/drawing/2010/main" val="0"/>
+              </a:ext>
+            </a:extLst>
+          </a:blip>
+          <a:stretch>
+            <a:fillRect/>
+          </a:stretch>
+        </p:blipFill>
+        <p:spPr>
+          <a:xfrm>
+            <a:off x="1050338" y="1352550"/>
+            <a:ext cx="4171189" cy="4846638"/>
+          </a:xfrm>
+        </p:spPr>
+      </p:pic>
+      <p:sp>
+        <p:nvSpPr>
+          <p:cNvPr id="6" name="Textfeld 5"/>
+          <p:cNvSpPr txBox="1"/>
+          <p:nvPr/>
+        </p:nvSpPr>
+        <p:spPr>
+          <a:xfrm>
+            <a:off x="4279900" y="1352550"/>
+            <a:ext cx="4521200" cy="1200329"/>
+          </a:xfrm>
+          <a:prstGeom prst="rect">
+            <a:avLst/>
+          </a:prstGeom>
+          <a:noFill/>
+        </p:spPr>
+        <p:txBody>
+          <a:bodyPr wrap="square" rtlCol="0">
+            <a:spAutoFit/>
+          </a:bodyPr>
+          <a:lstStyle/>
+          <a:p>
+            <a:pPr algn="r"/>
+            <a:r>
+              <a:rPr lang="de-DE" dirty="0" err="1" smtClean="0"/>
+              <a:t>You</a:t>
+            </a:r>
+            <a:r>
+              <a:rPr lang="de-DE" dirty="0" smtClean="0"/>
+              <a:t> </a:t>
+            </a:r>
+            <a:r>
+              <a:rPr lang="de-DE" dirty="0" err="1" smtClean="0"/>
+              <a:t>can</a:t>
+            </a:r>
+            <a:r>
+              <a:rPr lang="de-DE" dirty="0" smtClean="0"/>
+              <a:t> </a:t>
+            </a:r>
+            <a:r>
+              <a:rPr lang="de-DE" dirty="0" err="1" smtClean="0"/>
+              <a:t>try</a:t>
+            </a:r>
+            <a:r>
+              <a:rPr lang="de-DE" dirty="0" smtClean="0"/>
+              <a:t> </a:t>
+            </a:r>
+            <a:r>
+              <a:rPr lang="de-DE" dirty="0" err="1" smtClean="0"/>
+              <a:t>this</a:t>
+            </a:r>
+            <a:r>
+              <a:rPr lang="de-DE" dirty="0" smtClean="0"/>
+              <a:t> </a:t>
+            </a:r>
+            <a:r>
+              <a:rPr lang="de-DE" dirty="0" err="1" smtClean="0"/>
+              <a:t>travis</a:t>
+            </a:r>
+            <a:r>
+              <a:rPr lang="de-DE" dirty="0" smtClean="0"/>
+              <a:t> ci sample. </a:t>
+            </a:r>
+          </a:p>
+          <a:p>
+            <a:pPr algn="r"/>
+            <a:r>
+              <a:rPr lang="de-DE" dirty="0" smtClean="0"/>
+              <a:t>Just </a:t>
+            </a:r>
+            <a:r>
+              <a:rPr lang="de-DE" dirty="0" err="1" smtClean="0"/>
+              <a:t>fork</a:t>
+            </a:r>
+            <a:r>
+              <a:rPr lang="de-DE" dirty="0" smtClean="0"/>
+              <a:t> </a:t>
+            </a:r>
+            <a:r>
+              <a:rPr lang="de-DE" dirty="0" err="1" smtClean="0"/>
+              <a:t>innfactory</a:t>
+            </a:r>
+            <a:r>
+              <a:rPr lang="de-DE" dirty="0" smtClean="0"/>
+              <a:t>/bootstrap-</a:t>
+            </a:r>
+            <a:r>
+              <a:rPr lang="de-DE" dirty="0" err="1" smtClean="0"/>
+              <a:t>akka</a:t>
+            </a:r>
+            <a:r>
+              <a:rPr lang="de-DE" dirty="0" smtClean="0"/>
+              <a:t>-</a:t>
+            </a:r>
+            <a:r>
+              <a:rPr lang="de-DE" dirty="0" err="1" smtClean="0"/>
+              <a:t>graphql</a:t>
+            </a:r>
+            <a:r>
+              <a:rPr lang="de-DE" dirty="0" smtClean="0"/>
+              <a:t> </a:t>
+            </a:r>
+            <a:r>
+              <a:rPr lang="de-DE" dirty="0" err="1" smtClean="0"/>
+              <a:t>and</a:t>
+            </a:r>
+            <a:r>
+              <a:rPr lang="de-DE" dirty="0" smtClean="0"/>
+              <a:t> </a:t>
+            </a:r>
+            <a:r>
+              <a:rPr lang="de-DE" dirty="0" err="1" smtClean="0"/>
+              <a:t>activate</a:t>
+            </a:r>
+            <a:r>
+              <a:rPr lang="de-DE" dirty="0" smtClean="0"/>
+              <a:t> </a:t>
+            </a:r>
+            <a:r>
+              <a:rPr lang="de-DE" dirty="0" err="1" smtClean="0"/>
+              <a:t>travis</a:t>
+            </a:r>
+            <a:r>
+              <a:rPr lang="de-DE" dirty="0" smtClean="0"/>
+              <a:t> ci (</a:t>
+            </a:r>
+            <a:r>
+              <a:rPr lang="de-DE" dirty="0" err="1" smtClean="0"/>
+              <a:t>its</a:t>
+            </a:r>
+            <a:r>
+              <a:rPr lang="de-DE" dirty="0" smtClean="0"/>
+              <a:t> </a:t>
+            </a:r>
+            <a:r>
+              <a:rPr lang="de-DE" dirty="0" err="1" smtClean="0"/>
+              <a:t>free</a:t>
+            </a:r>
+            <a:r>
+              <a:rPr lang="de-DE" dirty="0" smtClean="0"/>
+              <a:t> </a:t>
+            </a:r>
+            <a:r>
+              <a:rPr lang="de-DE" dirty="0" err="1" smtClean="0"/>
+              <a:t>for</a:t>
+            </a:r>
+            <a:r>
+              <a:rPr lang="de-DE" dirty="0" smtClean="0"/>
+              <a:t> open </a:t>
+            </a:r>
+            <a:r>
+              <a:rPr lang="de-DE" dirty="0" err="1" smtClean="0"/>
+              <a:t>source</a:t>
+            </a:r>
+            <a:r>
+              <a:rPr lang="de-DE" dirty="0" smtClean="0"/>
+              <a:t>!)</a:t>
+            </a:r>
+            <a:endParaRPr lang="de-DE" dirty="0"/>
+          </a:p>
+        </p:txBody>
+      </p:sp>
+    </p:spTree>
+    <p:extLst>
+      <p:ext uri="{BB962C8B-B14F-4D97-AF65-F5344CB8AC3E}">
+        <p14:creationId xmlns:p14="http://schemas.microsoft.com/office/powerpoint/2010/main" val="891649545"/>
       </p:ext>
     </p:extLst>
   </p:cSld>
@@ -29106,16 +29498,21 @@
           <a:p>
             <a:pPr marL="263525" indent="-263525"/>
             <a:r>
-              <a:rPr lang="en-US" sz="1800" dirty="0"/>
+              <a:rPr lang="en-US" sz="1800" dirty="0" smtClean="0"/>
               <a:t>Cloud Foundry</a:t>
             </a:r>
           </a:p>
           <a:p>
             <a:pPr marL="263525" indent="-263525"/>
             <a:r>
-              <a:rPr lang="en-US" sz="1800" dirty="0"/>
-              <a:t>???</a:t>
-            </a:r>
+              <a:rPr lang="en-US" sz="1800" dirty="0" err="1" smtClean="0"/>
+              <a:t>tbd</a:t>
+            </a:r>
+            <a:r>
+              <a:rPr lang="en-US" sz="1800" dirty="0" smtClean="0"/>
+              <a:t>.</a:t>
+            </a:r>
+            <a:endParaRPr lang="en-US" sz="1800" dirty="0" smtClean="0"/>
           </a:p>
           <a:p>
             <a:pPr marL="263525" indent="-263525"/>
@@ -29467,7 +29864,134 @@
               <a:rPr lang="de-DE" dirty="0" smtClean="0"/>
               <a:t>fast(er)</a:t>
             </a:r>
+          </a:p>
+          <a:p>
+            <a:pPr marL="703151" lvl="1" indent="-263525"/>
             <a:endParaRPr lang="de-DE" dirty="0"/>
+          </a:p>
+          <a:p>
+            <a:pPr marL="703151" lvl="1" indent="-263525"/>
+            <a:endParaRPr lang="de-DE" dirty="0" smtClean="0"/>
+          </a:p>
+          <a:p>
+            <a:pPr marL="703151" lvl="1" indent="-263525"/>
+            <a:endParaRPr lang="de-DE" dirty="0" smtClean="0"/>
+          </a:p>
+          <a:p>
+            <a:pPr marL="703151" lvl="1" indent="-263525"/>
+            <a:endParaRPr lang="de-DE" dirty="0"/>
+          </a:p>
+          <a:p>
+            <a:pPr marL="703151" lvl="1" indent="-263525"/>
+            <a:endParaRPr lang="de-DE" dirty="0" smtClean="0"/>
+          </a:p>
+          <a:p>
+            <a:pPr marL="703151" lvl="1" indent="-263525"/>
+            <a:endParaRPr lang="de-DE" dirty="0"/>
+          </a:p>
+          <a:p>
+            <a:pPr marL="0" indent="0">
+              <a:buNone/>
+            </a:pPr>
+            <a:r>
+              <a:rPr lang="de-DE" dirty="0">
+                <a:sym typeface="Wingdings"/>
+              </a:rPr>
+              <a:t> Cultural </a:t>
+            </a:r>
+            <a:r>
+              <a:rPr lang="de-DE" dirty="0" err="1">
+                <a:sym typeface="Wingdings"/>
+              </a:rPr>
+              <a:t>change</a:t>
+            </a:r>
+            <a:r>
+              <a:rPr lang="de-DE" dirty="0">
+                <a:sym typeface="Wingdings"/>
+              </a:rPr>
+              <a:t> </a:t>
+            </a:r>
+            <a:r>
+              <a:rPr lang="de-DE" dirty="0" err="1">
+                <a:sym typeface="Wingdings"/>
+              </a:rPr>
+              <a:t>required</a:t>
+            </a:r>
+            <a:endParaRPr lang="de-DE" dirty="0"/>
+          </a:p>
+          <a:p>
+            <a:pPr marL="703151" lvl="1" indent="-263525"/>
+            <a:endParaRPr lang="de-DE" dirty="0"/>
+          </a:p>
+          <a:p>
+            <a:pPr marL="0" indent="0">
+              <a:spcBef>
+                <a:spcPts val="500"/>
+              </a:spcBef>
+              <a:buNone/>
+            </a:pPr>
+            <a:r>
+              <a:rPr lang="de-DE" sz="1800" dirty="0" smtClean="0">
+                <a:sym typeface="Wingdings"/>
+              </a:rPr>
+              <a:t> </a:t>
+            </a:r>
+            <a:r>
+              <a:rPr lang="de-DE" sz="1800" dirty="0" err="1" smtClean="0"/>
+              <a:t>We</a:t>
+            </a:r>
+            <a:r>
+              <a:rPr lang="de-DE" sz="1800" dirty="0"/>
+              <a:t> just </a:t>
+            </a:r>
+            <a:r>
+              <a:rPr lang="de-DE" sz="1800" dirty="0" err="1"/>
+              <a:t>focus</a:t>
+            </a:r>
+            <a:r>
+              <a:rPr lang="de-DE" sz="1800" dirty="0"/>
+              <a:t> on </a:t>
+            </a:r>
+            <a:r>
+              <a:rPr lang="de-DE" sz="1800" dirty="0" err="1"/>
+              <a:t>the</a:t>
+            </a:r>
+            <a:r>
+              <a:rPr lang="de-DE" sz="1800" dirty="0"/>
+              <a:t> </a:t>
+            </a:r>
+            <a:r>
+              <a:rPr lang="de-DE" sz="1800" dirty="0" err="1"/>
+              <a:t>software</a:t>
+            </a:r>
+            <a:r>
+              <a:rPr lang="de-DE" sz="1800" dirty="0"/>
+              <a:t> </a:t>
+            </a:r>
+            <a:r>
+              <a:rPr lang="de-DE" sz="1800" dirty="0" err="1" smtClean="0"/>
+              <a:t>delivery</a:t>
+            </a:r>
+            <a:r>
+              <a:rPr lang="de-DE" sz="1800" dirty="0" smtClean="0"/>
+              <a:t> </a:t>
+            </a:r>
+            <a:r>
+              <a:rPr lang="de-DE" sz="1800" dirty="0" err="1" smtClean="0"/>
+              <a:t>process</a:t>
+            </a:r>
+            <a:r>
+              <a:rPr lang="de-DE" sz="1800" dirty="0" smtClean="0"/>
+              <a:t> </a:t>
+            </a:r>
+            <a:r>
+              <a:rPr lang="de-DE" sz="1800" dirty="0" err="1" smtClean="0"/>
+              <a:t>process</a:t>
+            </a:r>
+            <a:r>
+              <a:rPr lang="de-DE" sz="1800" dirty="0" smtClean="0"/>
+              <a:t>!</a:t>
+            </a:r>
           </a:p>
           <a:p>
             <a:pPr marL="263525" indent="-263525">
@@ -29475,47 +29999,7 @@
                 <a:spcPts val="500"/>
               </a:spcBef>
             </a:pPr>
-            <a:r>
-              <a:rPr lang="de-DE" sz="1800" dirty="0" err="1" smtClean="0"/>
-              <a:t>We</a:t>
-            </a:r>
-            <a:r>
-              <a:rPr lang="de-DE" sz="1800" dirty="0"/>
-              <a:t> just </a:t>
-            </a:r>
-            <a:r>
-              <a:rPr lang="de-DE" sz="1800" dirty="0" err="1"/>
-              <a:t>focus</a:t>
-            </a:r>
-            <a:r>
-              <a:rPr lang="de-DE" sz="1800" dirty="0"/>
-              <a:t> on </a:t>
-            </a:r>
-            <a:r>
-              <a:rPr lang="de-DE" sz="1800" dirty="0" err="1"/>
-              <a:t>the</a:t>
-            </a:r>
-            <a:r>
-              <a:rPr lang="de-DE" sz="1800" dirty="0"/>
-              <a:t> </a:t>
-            </a:r>
-            <a:r>
-              <a:rPr lang="de-DE" sz="1800" dirty="0" err="1"/>
-              <a:t>software</a:t>
-            </a:r>
-            <a:r>
-              <a:rPr lang="de-DE" sz="1800" dirty="0"/>
-              <a:t> </a:t>
-            </a:r>
-            <a:r>
-              <a:rPr lang="de-DE" sz="1800" dirty="0" err="1" smtClean="0"/>
-              <a:t>process</a:t>
-            </a:r>
-            <a:r>
-              <a:rPr lang="de-DE" sz="1800" dirty="0" smtClean="0"/>
-              <a:t>!</a:t>
-            </a:r>
-            <a:endParaRPr lang="de-DE" sz="1800" dirty="0"/>
+            <a:endParaRPr lang="de-DE" sz="1800" dirty="0" smtClean="0"/>
           </a:p>
           <a:p>
             <a:pPr marL="263525" indent="-263525">
@@ -29598,8 +30082,8 @@
         </p:blipFill>
         <p:spPr>
           <a:xfrm>
-            <a:off x="2948118" y="3925828"/>
-            <a:ext cx="3617782" cy="2062308"/>
+            <a:off x="3749691" y="2832100"/>
+            <a:ext cx="5206740" cy="2968090"/>
           </a:xfrm>
           <a:prstGeom prst="rect">
             <a:avLst/>
@@ -29702,14 +30186,22 @@
           <a:lstStyle/>
           <a:p>
             <a:r>
-              <a:rPr lang="de-DE" sz="2000" err="1"/>
+              <a:rPr lang="de-DE" sz="2000" dirty="0" err="1" smtClean="0"/>
               <a:t>DevOps</a:t>
             </a:r>
             <a:r>
-              <a:rPr lang="de-DE" sz="2000"/>
-              <a:t> Challenges </a:t>
-            </a:r>
-            <a:endParaRPr lang="de-DE" err="1"/>
+              <a:rPr lang="de-DE" sz="2000" dirty="0" smtClean="0"/>
+              <a:t> - </a:t>
+            </a:r>
+            <a:r>
+              <a:rPr lang="de-DE" sz="2000" dirty="0" err="1"/>
+              <a:t>Challenges</a:t>
+            </a:r>
+            <a:r>
+              <a:rPr lang="de-DE" sz="2000" dirty="0"/>
+              <a:t> </a:t>
+            </a:r>
+            <a:endParaRPr lang="de-DE" dirty="0"/>
           </a:p>
         </p:txBody>
       </p:sp>
@@ -30326,6 +30818,162 @@
               <a:rPr lang="de-DE" sz="600" dirty="0"/>
               <a:t>=1</a:t>
             </a:r>
+          </a:p>
+        </p:txBody>
+      </p:sp>
+      <p:sp>
+        <p:nvSpPr>
+          <p:cNvPr id="6" name="Rechteck 5"/>
+          <p:cNvSpPr/>
+          <p:nvPr/>
+        </p:nvSpPr>
+        <p:spPr>
+          <a:xfrm>
+            <a:off x="0" y="3826701"/>
+            <a:ext cx="4572000" cy="1911421"/>
+          </a:xfrm>
+          <a:prstGeom prst="rect">
+            <a:avLst/>
+          </a:prstGeom>
+        </p:spPr>
+        <p:txBody>
+          <a:bodyPr>
+            <a:spAutoFit/>
+          </a:bodyPr>
+          <a:lstStyle/>
+          <a:p>
+            <a:pPr marL="263525" indent="-263525">
+              <a:spcBef>
+                <a:spcPts val="500"/>
+              </a:spcBef>
+            </a:pPr>
+            <a:endParaRPr lang="de-DE" dirty="0"/>
+          </a:p>
+          <a:p>
+            <a:pPr marL="703151" lvl="1" indent="-263525">
+              <a:spcBef>
+                <a:spcPts val="500"/>
+              </a:spcBef>
+            </a:pPr>
+            <a:r>
+              <a:rPr lang="de-DE" sz="1754" dirty="0" err="1"/>
+              <a:t>Dev</a:t>
+            </a:r>
+            <a:r>
+              <a:rPr lang="de-DE" sz="1754" dirty="0"/>
+              <a:t> </a:t>
+            </a:r>
+            <a:r>
+              <a:rPr lang="de-DE" sz="1754" dirty="0">
+                <a:sym typeface="Wingdings"/>
+              </a:rPr>
+              <a:t> Create Change, Add </a:t>
+            </a:r>
+            <a:r>
+              <a:rPr lang="de-DE" sz="1754" dirty="0" err="1">
+                <a:sym typeface="Wingdings"/>
+              </a:rPr>
+              <a:t>or</a:t>
+            </a:r>
+            <a:r>
+              <a:rPr lang="de-DE" sz="1754" dirty="0">
+                <a:sym typeface="Wingdings"/>
+              </a:rPr>
+              <a:t> </a:t>
+            </a:r>
+            <a:r>
+              <a:rPr lang="de-DE" sz="1754" dirty="0" err="1">
+                <a:sym typeface="Wingdings"/>
+              </a:rPr>
+              <a:t>modify</a:t>
+            </a:r>
+            <a:r>
+              <a:rPr lang="de-DE" sz="1754" dirty="0">
+                <a:sym typeface="Wingdings"/>
+              </a:rPr>
+              <a:t> </a:t>
+            </a:r>
+            <a:r>
+              <a:rPr lang="de-DE" sz="1754" dirty="0" err="1" smtClean="0">
+                <a:sym typeface="Wingdings"/>
+              </a:rPr>
+              <a:t>features</a:t>
+            </a:r>
+            <a:endParaRPr lang="de-DE" sz="1754" dirty="0" smtClean="0">
+              <a:sym typeface="Wingdings"/>
+            </a:endParaRPr>
+          </a:p>
+          <a:p>
+            <a:pPr marL="703151" lvl="1" indent="-263525">
+              <a:spcBef>
+                <a:spcPts val="500"/>
+              </a:spcBef>
+            </a:pPr>
+            <a:endParaRPr lang="de-DE" sz="1754" dirty="0">
+              <a:sym typeface="Wingdings"/>
+            </a:endParaRPr>
+          </a:p>
+          <a:p>
+            <a:pPr marL="703151" lvl="1" indent="-263525">
+              <a:spcBef>
+                <a:spcPts val="500"/>
+              </a:spcBef>
+            </a:pPr>
+            <a:r>
+              <a:rPr lang="de-DE" sz="1754" dirty="0" err="1">
+                <a:sym typeface="Wingdings"/>
+              </a:rPr>
+              <a:t>Ops</a:t>
+            </a:r>
+            <a:r>
+              <a:rPr lang="de-DE" sz="1754" dirty="0">
+                <a:sym typeface="Wingdings"/>
+              </a:rPr>
+              <a:t>  Create </a:t>
+            </a:r>
+            <a:r>
+              <a:rPr lang="de-DE" sz="1754" dirty="0" err="1">
+                <a:sym typeface="Wingdings"/>
+              </a:rPr>
+              <a:t>stability</a:t>
+            </a:r>
+            <a:r>
+              <a:rPr lang="de-DE" sz="1754" dirty="0">
+                <a:sym typeface="Wingdings"/>
+              </a:rPr>
+              <a:t>, Create </a:t>
+            </a:r>
+            <a:r>
+              <a:rPr lang="de-DE" sz="1754" dirty="0" err="1">
+                <a:sym typeface="Wingdings"/>
+              </a:rPr>
+              <a:t>or</a:t>
+            </a:r>
+            <a:r>
+              <a:rPr lang="de-DE" sz="1754" dirty="0">
+                <a:sym typeface="Wingdings"/>
+              </a:rPr>
+              <a:t> </a:t>
+            </a:r>
+            <a:r>
+              <a:rPr lang="de-DE" sz="1754" dirty="0" err="1">
+                <a:sym typeface="Wingdings"/>
+              </a:rPr>
+              <a:t>enhance</a:t>
+            </a:r>
+            <a:r>
+              <a:rPr lang="de-DE" sz="1754" dirty="0">
+                <a:sym typeface="Wingdings"/>
+              </a:rPr>
+              <a:t> </a:t>
+            </a:r>
+            <a:r>
+              <a:rPr lang="de-DE" sz="1754" dirty="0" err="1">
+                <a:sym typeface="Wingdings"/>
+              </a:rPr>
+              <a:t>services</a:t>
+            </a:r>
+            <a:endParaRPr lang="de-DE" sz="1754" dirty="0"/>
           </a:p>
         </p:txBody>
       </p:sp>
